--- a/Angularjs.pptx
+++ b/Angularjs.pptx
@@ -34,7 +34,8 @@
     <p:sldId id="282" r:id="rId28"/>
     <p:sldId id="283" r:id="rId29"/>
     <p:sldId id="284" r:id="rId30"/>
-    <p:sldId id="285" r:id="rId31"/>
+    <p:sldId id="286" r:id="rId31"/>
+    <p:sldId id="285" r:id="rId32"/>
   </p:sldIdLst>
   <p:sldSz cx="9144000" cy="6858000" type="screen4x3"/>
   <p:notesSz cx="6858000" cy="9144000"/>
@@ -3318,7 +3319,7 @@
         <p:spPr/>
         <p:txBody>
           <a:bodyPr>
-            <a:normAutofit fontScale="92500" lnSpcReduction="20000"/>
+            <a:normAutofit fontScale="92500" lnSpcReduction="10000"/>
           </a:bodyPr>
           <a:lstStyle/>
           <a:p>
@@ -3383,19 +3384,15 @@
           <a:p>
             <a:pPr lvl="1"/>
             <a:r>
-              <a:rPr lang="en-US" dirty="0" err="1" smtClean="0"/>
-              <a:t>ng</a:t>
-            </a:r>
-            <a:r>
-              <a:rPr lang="en-US" dirty="0" smtClean="0"/>
-              <a:t>-bind</a:t>
+              <a:rPr lang="en-US" dirty="0" smtClean="0"/>
+              <a:t>ng-repeat</a:t>
             </a:r>
           </a:p>
           <a:p>
             <a:pPr lvl="2"/>
             <a:r>
               <a:rPr lang="en-US" dirty="0" smtClean="0"/>
-              <a:t>Replace the text content of the specified HTML with the value of given expression</a:t>
+              <a:t>Iterates over a collection of objects</a:t>
             </a:r>
             <a:endParaRPr lang="en-US" dirty="0"/>
           </a:p>
@@ -5338,19 +5335,64 @@
       </p:sp>
       <p:sp>
         <p:nvSpPr>
-          <p:cNvPr id="4" name="Rounded Rectangular Callout 3"/>
+          <p:cNvPr id="6" name="Rectangular Callout 5"/>
           <p:cNvSpPr/>
           <p:nvPr/>
         </p:nvSpPr>
         <p:spPr>
           <a:xfrm>
-            <a:off x="6934200" y="2971800"/>
-            <a:ext cx="1676400" cy="762000"/>
+            <a:off x="6934200" y="3429000"/>
+            <a:ext cx="1219200" cy="612648"/>
+          </a:xfrm>
+          <a:prstGeom prst="wedgeRectCallout">
+            <a:avLst>
+              <a:gd name="adj1" fmla="val -126218"/>
+              <a:gd name="adj2" fmla="val 44131"/>
+            </a:avLst>
+          </a:prstGeom>
+        </p:spPr>
+        <p:style>
+          <a:lnRef idx="1">
+            <a:schemeClr val="accent1"/>
+          </a:lnRef>
+          <a:fillRef idx="2">
+            <a:schemeClr val="accent1"/>
+          </a:fillRef>
+          <a:effectRef idx="1">
+            <a:schemeClr val="accent1"/>
+          </a:effectRef>
+          <a:fontRef idx="minor">
+            <a:schemeClr val="dk1"/>
+          </a:fontRef>
+        </p:style>
+        <p:txBody>
+          <a:bodyPr rtlCol="0" anchor="ctr"/>
+          <a:lstStyle/>
+          <a:p>
+            <a:pPr algn="ctr"/>
+            <a:r>
+              <a:rPr lang="en-US" dirty="0" smtClean="0"/>
+              <a:t>Filter</a:t>
+            </a:r>
+            <a:endParaRPr lang="en-US" dirty="0"/>
+          </a:p>
+        </p:txBody>
+      </p:sp>
+      <p:sp>
+        <p:nvSpPr>
+          <p:cNvPr id="8" name="Rounded Rectangular Callout 7"/>
+          <p:cNvSpPr/>
+          <p:nvPr/>
+        </p:nvSpPr>
+        <p:spPr>
+          <a:xfrm>
+            <a:off x="4495800" y="5029200"/>
+            <a:ext cx="2133600" cy="533400"/>
           </a:xfrm>
           <a:prstGeom prst="wedgeRoundRectCallout">
             <a:avLst>
-              <a:gd name="adj1" fmla="val -105208"/>
-              <a:gd name="adj2" fmla="val 82500"/>
+              <a:gd name="adj1" fmla="val -65943"/>
+              <a:gd name="adj2" fmla="val -151566"/>
               <a:gd name="adj3" fmla="val 16667"/>
             </a:avLst>
           </a:prstGeom>
@@ -5370,117 +5412,15 @@
           </a:fontRef>
         </p:style>
         <p:txBody>
-          <a:bodyPr rtlCol="0" anchor="ctr">
-            <a:scene3d>
-              <a:camera prst="orthographicFront"/>
-              <a:lightRig rig="flat" dir="t">
-                <a:rot lat="0" lon="0" rev="18900000"/>
-              </a:lightRig>
-            </a:scene3d>
-            <a:sp3d extrusionH="31750" contourW="6350" prstMaterial="powder">
-              <a:bevelT w="19050" h="19050" prst="angle"/>
-              <a:contourClr>
-                <a:schemeClr val="accent3">
-                  <a:tint val="100000"/>
-                  <a:shade val="100000"/>
-                  <a:satMod val="100000"/>
-                  <a:hueMod val="100000"/>
-                </a:schemeClr>
-              </a:contourClr>
-            </a:sp3d>
-          </a:bodyPr>
+          <a:bodyPr rtlCol="0" anchor="ctr"/>
           <a:lstStyle/>
           <a:p>
             <a:pPr algn="ctr"/>
             <a:r>
-              <a:rPr lang="en-US" sz="2400" b="1" dirty="0" smtClean="0">
-                <a:ln/>
-                <a:solidFill>
-                  <a:schemeClr val="tx1"/>
-                </a:solidFill>
-              </a:rPr>
+              <a:rPr lang="en-US" dirty="0" smtClean="0"/>
               <a:t>Filter</a:t>
             </a:r>
-            <a:endParaRPr lang="en-US" sz="2400" b="1" dirty="0">
-              <a:ln/>
-              <a:solidFill>
-                <a:schemeClr val="tx1"/>
-              </a:solidFill>
-            </a:endParaRPr>
-          </a:p>
-        </p:txBody>
-      </p:sp>
-      <p:sp>
-        <p:nvSpPr>
-          <p:cNvPr id="5" name="Rounded Rectangular Callout 4"/>
-          <p:cNvSpPr/>
-          <p:nvPr/>
-        </p:nvSpPr>
-        <p:spPr>
-          <a:xfrm>
-            <a:off x="5105400" y="4648200"/>
-            <a:ext cx="1676400" cy="762000"/>
-          </a:xfrm>
-          <a:prstGeom prst="wedgeRoundRectCallout">
-            <a:avLst>
-              <a:gd name="adj1" fmla="val -121572"/>
-              <a:gd name="adj2" fmla="val -79500"/>
-              <a:gd name="adj3" fmla="val 16667"/>
-            </a:avLst>
-          </a:prstGeom>
-        </p:spPr>
-        <p:style>
-          <a:lnRef idx="1">
-            <a:schemeClr val="accent1"/>
-          </a:lnRef>
-          <a:fillRef idx="2">
-            <a:schemeClr val="accent1"/>
-          </a:fillRef>
-          <a:effectRef idx="1">
-            <a:schemeClr val="accent1"/>
-          </a:effectRef>
-          <a:fontRef idx="minor">
-            <a:schemeClr val="dk1"/>
-          </a:fontRef>
-        </p:style>
-        <p:txBody>
-          <a:bodyPr rtlCol="0" anchor="ctr">
-            <a:scene3d>
-              <a:camera prst="orthographicFront"/>
-              <a:lightRig rig="flat" dir="t">
-                <a:rot lat="0" lon="0" rev="18900000"/>
-              </a:lightRig>
-            </a:scene3d>
-            <a:sp3d extrusionH="31750" contourW="6350" prstMaterial="powder">
-              <a:bevelT w="19050" h="19050" prst="angle"/>
-              <a:contourClr>
-                <a:schemeClr val="accent3">
-                  <a:tint val="100000"/>
-                  <a:shade val="100000"/>
-                  <a:satMod val="100000"/>
-                  <a:hueMod val="100000"/>
-                </a:schemeClr>
-              </a:contourClr>
-            </a:sp3d>
-          </a:bodyPr>
-          <a:lstStyle/>
-          <a:p>
-            <a:pPr algn="ctr"/>
-            <a:r>
-              <a:rPr lang="en-US" sz="2400" b="1" dirty="0" smtClean="0">
-                <a:ln/>
-                <a:solidFill>
-                  <a:schemeClr val="tx1"/>
-                </a:solidFill>
-              </a:rPr>
-              <a:t>Filter</a:t>
-            </a:r>
-            <a:endParaRPr lang="en-US" sz="2400" b="1" dirty="0">
-              <a:ln/>
-              <a:solidFill>
-                <a:schemeClr val="tx1"/>
-              </a:solidFill>
-            </a:endParaRPr>
+            <a:endParaRPr lang="en-US" dirty="0"/>
           </a:p>
         </p:txBody>
       </p:sp>
@@ -6669,20 +6609,19 @@
       </p:sp>
       <p:sp>
         <p:nvSpPr>
-          <p:cNvPr id="4" name="Rounded Rectangular Callout 3"/>
+          <p:cNvPr id="5" name="Rectangular Callout 4"/>
           <p:cNvSpPr/>
           <p:nvPr/>
         </p:nvSpPr>
         <p:spPr>
           <a:xfrm>
-            <a:off x="6858000" y="2971800"/>
-            <a:ext cx="1676400" cy="762000"/>
+            <a:off x="6934200" y="3429000"/>
+            <a:ext cx="1219200" cy="612648"/>
           </a:xfrm>
-          <a:prstGeom prst="wedgeRoundRectCallout">
+          <a:prstGeom prst="wedgeRectCallout">
             <a:avLst>
-              <a:gd name="adj1" fmla="val -144299"/>
-              <a:gd name="adj2" fmla="val 104500"/>
-              <a:gd name="adj3" fmla="val 16667"/>
+              <a:gd name="adj1" fmla="val -137756"/>
+              <a:gd name="adj2" fmla="val 55612"/>
             </a:avLst>
           </a:prstGeom>
         </p:spPr>
@@ -6701,55 +6640,15 @@
           </a:fontRef>
         </p:style>
         <p:txBody>
-          <a:bodyPr rtlCol="0" anchor="ctr">
-            <a:scene3d>
-              <a:camera prst="orthographicFront"/>
-              <a:lightRig rig="flat" dir="t">
-                <a:rot lat="0" lon="0" rev="18900000"/>
-              </a:lightRig>
-            </a:scene3d>
-            <a:sp3d extrusionH="31750" contourW="6350" prstMaterial="powder">
-              <a:bevelT w="19050" h="19050" prst="angle"/>
-              <a:contourClr>
-                <a:schemeClr val="accent3">
-                  <a:tint val="100000"/>
-                  <a:shade val="100000"/>
-                  <a:satMod val="100000"/>
-                  <a:hueMod val="100000"/>
-                </a:schemeClr>
-              </a:contourClr>
-            </a:sp3d>
-          </a:bodyPr>
+          <a:bodyPr rtlCol="0" anchor="ctr"/>
           <a:lstStyle/>
           <a:p>
             <a:pPr algn="ctr"/>
             <a:r>
-              <a:rPr lang="en-US" sz="2400" b="1" dirty="0" smtClean="0">
-                <a:ln/>
-                <a:solidFill>
-                  <a:schemeClr val="tx1"/>
-                </a:solidFill>
-              </a:rPr>
-              <a:t>Chaining</a:t>
-            </a:r>
-          </a:p>
-          <a:p>
-            <a:pPr algn="ctr"/>
-            <a:r>
-              <a:rPr lang="en-US" sz="2400" b="1" dirty="0" smtClean="0">
-                <a:ln/>
-                <a:solidFill>
-                  <a:schemeClr val="tx1"/>
-                </a:solidFill>
-              </a:rPr>
-              <a:t>Filters</a:t>
-            </a:r>
-            <a:endParaRPr lang="en-US" sz="2400" b="1" dirty="0">
-              <a:ln/>
-              <a:solidFill>
-                <a:schemeClr val="tx1"/>
-              </a:solidFill>
-            </a:endParaRPr>
+              <a:rPr lang="en-US" dirty="0" smtClean="0"/>
+              <a:t>Chaining Filters</a:t>
+            </a:r>
+            <a:endParaRPr lang="en-US" dirty="0"/>
           </a:p>
         </p:txBody>
       </p:sp>
@@ -10610,7 +10509,6 @@
               <a:rPr lang="en-US" dirty="0" smtClean="0"/>
               <a:t> web service</a:t>
             </a:r>
-            <a:endParaRPr lang="en-US" dirty="0" smtClean="0"/>
           </a:p>
           <a:p>
             <a:endParaRPr lang="en-US" dirty="0"/>
@@ -14755,6 +14653,13 @@
   <p:clrMapOvr>
     <a:masterClrMapping/>
   </p:clrMapOvr>
+  <p:timing>
+    <p:tnLst>
+      <p:par>
+        <p:cTn id="1" dur="indefinite" restart="never" nodeType="tmRoot"/>
+      </p:par>
+    </p:tnLst>
+  </p:timing>
 </p:sld>
 </file>
 
@@ -14994,6 +14899,110 @@
             </a:pPr>
             <a:r>
               <a:rPr lang="en-US" sz="6000" dirty="0" smtClean="0"/>
+              <a:t>Q&amp;A</a:t>
+            </a:r>
+            <a:endParaRPr lang="en-US" sz="6000" dirty="0"/>
+          </a:p>
+        </p:txBody>
+      </p:sp>
+    </p:spTree>
+    <p:extLst>
+      <p:ext uri="{BB962C8B-B14F-4D97-AF65-F5344CB8AC3E}">
+        <p14:creationId xmlns:p14="http://schemas.microsoft.com/office/powerpoint/2010/main" val="1413072675"/>
+      </p:ext>
+    </p:extLst>
+  </p:cSld>
+  <p:clrMapOvr>
+    <a:masterClrMapping/>
+  </p:clrMapOvr>
+  <p:timing>
+    <p:tnLst>
+      <p:par>
+        <p:cTn id="1" dur="indefinite" restart="never" nodeType="tmRoot"/>
+      </p:par>
+    </p:tnLst>
+  </p:timing>
+</p:sld>
+</file>
+
+<file path=ppt/slides/slide31.xml><?xml version="1.0" encoding="utf-8"?>
+<p:sld xmlns:a="http://schemas.openxmlformats.org/drawingml/2006/main" xmlns:r="http://schemas.openxmlformats.org/officeDocument/2006/relationships" xmlns:p="http://schemas.openxmlformats.org/presentationml/2006/main">
+  <p:cSld>
+    <p:spTree>
+      <p:nvGrpSpPr>
+        <p:cNvPr id="1" name=""/>
+        <p:cNvGrpSpPr/>
+        <p:nvPr/>
+      </p:nvGrpSpPr>
+      <p:grpSpPr>
+        <a:xfrm>
+          <a:off x="0" y="0"/>
+          <a:ext cx="0" cy="0"/>
+          <a:chOff x="0" y="0"/>
+          <a:chExt cx="0" cy="0"/>
+        </a:xfrm>
+      </p:grpSpPr>
+      <p:sp>
+        <p:nvSpPr>
+          <p:cNvPr id="2" name="Title 1"/>
+          <p:cNvSpPr>
+            <a:spLocks noGrp="1"/>
+          </p:cNvSpPr>
+          <p:nvPr>
+            <p:ph type="title"/>
+          </p:nvPr>
+        </p:nvSpPr>
+        <p:spPr/>
+        <p:txBody>
+          <a:bodyPr/>
+          <a:lstStyle/>
+          <a:p>
+            <a:r>
+              <a:rPr lang="en-US" dirty="0" smtClean="0"/>
+              <a:t> </a:t>
+            </a:r>
+            <a:endParaRPr lang="en-US" dirty="0"/>
+          </a:p>
+        </p:txBody>
+      </p:sp>
+      <p:sp>
+        <p:nvSpPr>
+          <p:cNvPr id="3" name="Content Placeholder 2"/>
+          <p:cNvSpPr>
+            <a:spLocks noGrp="1"/>
+          </p:cNvSpPr>
+          <p:nvPr>
+            <p:ph idx="1"/>
+          </p:nvPr>
+        </p:nvSpPr>
+        <p:spPr/>
+        <p:txBody>
+          <a:bodyPr/>
+          <a:lstStyle/>
+          <a:p>
+            <a:pPr marL="0" indent="0" algn="ctr">
+              <a:buNone/>
+            </a:pPr>
+            <a:endParaRPr lang="en-US" dirty="0" smtClean="0"/>
+          </a:p>
+          <a:p>
+            <a:pPr marL="0" indent="0" algn="ctr">
+              <a:buNone/>
+            </a:pPr>
+            <a:endParaRPr lang="en-US" dirty="0"/>
+          </a:p>
+          <a:p>
+            <a:pPr marL="0" indent="0" algn="ctr">
+              <a:buNone/>
+            </a:pPr>
+            <a:endParaRPr lang="en-US" dirty="0" smtClean="0"/>
+          </a:p>
+          <a:p>
+            <a:pPr marL="0" indent="0" algn="ctr">
+              <a:buNone/>
+            </a:pPr>
+            <a:r>
+              <a:rPr lang="en-US" sz="6000" dirty="0" smtClean="0"/>
               <a:t>Thank You</a:t>
             </a:r>
             <a:endParaRPr lang="en-US" sz="6000" dirty="0"/>
@@ -15010,6 +15019,13 @@
   <p:clrMapOvr>
     <a:masterClrMapping/>
   </p:clrMapOvr>
+  <p:timing>
+    <p:tnLst>
+      <p:par>
+        <p:cTn id="1" dur="indefinite" restart="never" nodeType="tmRoot"/>
+      </p:par>
+    </p:tnLst>
+  </p:timing>
 </p:sld>
 </file>
 
@@ -15965,7 +15981,7 @@
         </p:nvSpPr>
         <p:spPr>
           <a:xfrm>
-            <a:off x="5791200" y="3924300"/>
+            <a:off x="4785360" y="3910233"/>
             <a:ext cx="2133600" cy="533400"/>
           </a:xfrm>
           <a:prstGeom prst="wedgeRoundRectCallout">
@@ -16052,6 +16068,52 @@
             <a:r>
               <a:rPr lang="en-US" dirty="0" smtClean="0"/>
               <a:t> script</a:t>
+            </a:r>
+            <a:endParaRPr lang="en-US" dirty="0"/>
+          </a:p>
+        </p:txBody>
+      </p:sp>
+      <p:sp>
+        <p:nvSpPr>
+          <p:cNvPr id="7" name="Rounded Rectangular Callout 6"/>
+          <p:cNvSpPr/>
+          <p:nvPr/>
+        </p:nvSpPr>
+        <p:spPr>
+          <a:xfrm>
+            <a:off x="2438400" y="4189828"/>
+            <a:ext cx="1752600" cy="533400"/>
+          </a:xfrm>
+          <a:prstGeom prst="wedgeRoundRectCallout">
+            <a:avLst>
+              <a:gd name="adj1" fmla="val -30568"/>
+              <a:gd name="adj2" fmla="val -114643"/>
+              <a:gd name="adj3" fmla="val 16667"/>
+            </a:avLst>
+          </a:prstGeom>
+        </p:spPr>
+        <p:style>
+          <a:lnRef idx="1">
+            <a:schemeClr val="accent1"/>
+          </a:lnRef>
+          <a:fillRef idx="2">
+            <a:schemeClr val="accent1"/>
+          </a:fillRef>
+          <a:effectRef idx="1">
+            <a:schemeClr val="accent1"/>
+          </a:effectRef>
+          <a:fontRef idx="minor">
+            <a:schemeClr val="dk1"/>
+          </a:fontRef>
+        </p:style>
+        <p:txBody>
+          <a:bodyPr rtlCol="0" anchor="ctr"/>
+          <a:lstStyle/>
+          <a:p>
+            <a:pPr algn="ctr"/>
+            <a:r>
+              <a:rPr lang="en-US" dirty="0" smtClean="0"/>
+              <a:t>Expression</a:t>
             </a:r>
             <a:endParaRPr lang="en-US" dirty="0"/>
           </a:p>
@@ -16156,31 +16218,7 @@
             <a:pPr lvl="1"/>
             <a:r>
               <a:rPr lang="en-US" dirty="0" smtClean="0"/>
-              <a:t>Extend HTML using </a:t>
-            </a:r>
-            <a:r>
-              <a:rPr lang="en-US" dirty="0" err="1" smtClean="0"/>
-              <a:t>ng</a:t>
-            </a:r>
-            <a:r>
-              <a:rPr lang="en-US" dirty="0" smtClean="0"/>
-              <a:t>-app, </a:t>
-            </a:r>
-            <a:r>
-              <a:rPr lang="en-US" dirty="0" err="1" smtClean="0"/>
-              <a:t>ng</a:t>
-            </a:r>
-            <a:r>
-              <a:rPr lang="en-US" dirty="0" smtClean="0"/>
-              <a:t>-bind, </a:t>
-            </a:r>
-            <a:r>
-              <a:rPr lang="en-US" dirty="0" err="1" smtClean="0"/>
-              <a:t>ng</a:t>
-            </a:r>
-            <a:r>
-              <a:rPr lang="en-US" dirty="0" smtClean="0"/>
-              <a:t>-model</a:t>
+              <a:t>Extend HTML : ng-app, ng-bind, ng-model</a:t>
             </a:r>
           </a:p>
           <a:p>
